--- a/GLISTER.pptx
+++ b/GLISTER.pptx
@@ -113,6 +113,11 @@
       </a:defRPr>
     </a:lvl9pPr>
   </p:defaultTextStyle>
+  <p:extLst>
+    <p:ext uri="{EFAFB233-063F-42B5-8137-9DF3F51BA10A}">
+      <p15:sldGuideLst xmlns:p15="http://schemas.microsoft.com/office/powerpoint/2012/main"/>
+    </p:ext>
+  </p:extLst>
 </p:presentation>
 </file>
 
@@ -247,7 +252,7 @@
           <a:p>
             <a:fld id="{C3CCBED5-E521-454A-BF83-5B4F8DB8B540}" type="datetimeFigureOut">
               <a:rPr kumimoji="1" lang="ja-JP" altLang="en-US" smtClean="0"/>
-              <a:t>2022/11/20</a:t>
+              <a:t>2022/11/21</a:t>
             </a:fld>
             <a:endParaRPr kumimoji="1" lang="ja-JP" altLang="en-US"/>
           </a:p>
@@ -449,7 +454,7 @@
           <a:p>
             <a:fld id="{C3CCBED5-E521-454A-BF83-5B4F8DB8B540}" type="datetimeFigureOut">
               <a:rPr kumimoji="1" lang="ja-JP" altLang="en-US" smtClean="0"/>
-              <a:t>2022/11/20</a:t>
+              <a:t>2022/11/21</a:t>
             </a:fld>
             <a:endParaRPr kumimoji="1" lang="ja-JP" altLang="en-US"/>
           </a:p>
@@ -661,7 +666,7 @@
           <a:p>
             <a:fld id="{C3CCBED5-E521-454A-BF83-5B4F8DB8B540}" type="datetimeFigureOut">
               <a:rPr kumimoji="1" lang="ja-JP" altLang="en-US" smtClean="0"/>
-              <a:t>2022/11/20</a:t>
+              <a:t>2022/11/21</a:t>
             </a:fld>
             <a:endParaRPr kumimoji="1" lang="ja-JP" altLang="en-US"/>
           </a:p>
@@ -863,7 +868,7 @@
           <a:p>
             <a:fld id="{C3CCBED5-E521-454A-BF83-5B4F8DB8B540}" type="datetimeFigureOut">
               <a:rPr kumimoji="1" lang="ja-JP" altLang="en-US" smtClean="0"/>
-              <a:t>2022/11/20</a:t>
+              <a:t>2022/11/21</a:t>
             </a:fld>
             <a:endParaRPr kumimoji="1" lang="ja-JP" altLang="en-US"/>
           </a:p>
@@ -1107,7 +1112,7 @@
           <a:p>
             <a:fld id="{C3CCBED5-E521-454A-BF83-5B4F8DB8B540}" type="datetimeFigureOut">
               <a:rPr kumimoji="1" lang="ja-JP" altLang="en-US" smtClean="0"/>
-              <a:t>2022/11/20</a:t>
+              <a:t>2022/11/21</a:t>
             </a:fld>
             <a:endParaRPr kumimoji="1" lang="ja-JP" altLang="en-US"/>
           </a:p>
@@ -1403,7 +1408,7 @@
           <a:p>
             <a:fld id="{C3CCBED5-E521-454A-BF83-5B4F8DB8B540}" type="datetimeFigureOut">
               <a:rPr kumimoji="1" lang="ja-JP" altLang="en-US" smtClean="0"/>
-              <a:t>2022/11/20</a:t>
+              <a:t>2022/11/21</a:t>
             </a:fld>
             <a:endParaRPr kumimoji="1" lang="ja-JP" altLang="en-US"/>
           </a:p>
@@ -1834,7 +1839,7 @@
           <a:p>
             <a:fld id="{C3CCBED5-E521-454A-BF83-5B4F8DB8B540}" type="datetimeFigureOut">
               <a:rPr kumimoji="1" lang="ja-JP" altLang="en-US" smtClean="0"/>
-              <a:t>2022/11/20</a:t>
+              <a:t>2022/11/21</a:t>
             </a:fld>
             <a:endParaRPr kumimoji="1" lang="ja-JP" altLang="en-US"/>
           </a:p>
@@ -1952,7 +1957,7 @@
           <a:p>
             <a:fld id="{C3CCBED5-E521-454A-BF83-5B4F8DB8B540}" type="datetimeFigureOut">
               <a:rPr kumimoji="1" lang="ja-JP" altLang="en-US" smtClean="0"/>
-              <a:t>2022/11/20</a:t>
+              <a:t>2022/11/21</a:t>
             </a:fld>
             <a:endParaRPr kumimoji="1" lang="ja-JP" altLang="en-US"/>
           </a:p>
@@ -2047,7 +2052,7 @@
           <a:p>
             <a:fld id="{C3CCBED5-E521-454A-BF83-5B4F8DB8B540}" type="datetimeFigureOut">
               <a:rPr kumimoji="1" lang="ja-JP" altLang="en-US" smtClean="0"/>
-              <a:t>2022/11/20</a:t>
+              <a:t>2022/11/21</a:t>
             </a:fld>
             <a:endParaRPr kumimoji="1" lang="ja-JP" altLang="en-US"/>
           </a:p>
@@ -2356,7 +2361,7 @@
           <a:p>
             <a:fld id="{C3CCBED5-E521-454A-BF83-5B4F8DB8B540}" type="datetimeFigureOut">
               <a:rPr kumimoji="1" lang="ja-JP" altLang="en-US" smtClean="0"/>
-              <a:t>2022/11/20</a:t>
+              <a:t>2022/11/21</a:t>
             </a:fld>
             <a:endParaRPr kumimoji="1" lang="ja-JP" altLang="en-US"/>
           </a:p>
@@ -2613,7 +2618,7 @@
           <a:p>
             <a:fld id="{C3CCBED5-E521-454A-BF83-5B4F8DB8B540}" type="datetimeFigureOut">
               <a:rPr kumimoji="1" lang="ja-JP" altLang="en-US" smtClean="0"/>
-              <a:t>2022/11/20</a:t>
+              <a:t>2022/11/21</a:t>
             </a:fld>
             <a:endParaRPr kumimoji="1" lang="ja-JP" altLang="en-US"/>
           </a:p>
@@ -2858,7 +2863,7 @@
           <a:p>
             <a:fld id="{C3CCBED5-E521-454A-BF83-5B4F8DB8B540}" type="datetimeFigureOut">
               <a:rPr kumimoji="1" lang="ja-JP" altLang="en-US" smtClean="0"/>
-              <a:t>2022/11/20</a:t>
+              <a:t>2022/11/21</a:t>
             </a:fld>
             <a:endParaRPr kumimoji="1" lang="ja-JP" altLang="en-US"/>
           </a:p>
@@ -6973,8 +6978,8 @@
             <a:chExt cx="5871895" cy="4444120"/>
           </a:xfrm>
         </p:grpSpPr>
-        <mc:AlternateContent xmlns:mc="http://schemas.openxmlformats.org/markup-compatibility/2006">
-          <mc:Choice xmlns:a14="http://schemas.microsoft.com/office/drawing/2010/main" Requires="a14">
+        <mc:AlternateContent xmlns:mc="http://schemas.openxmlformats.org/markup-compatibility/2006" xmlns:a14="http://schemas.microsoft.com/office/drawing/2010/main">
+          <mc:Choice Requires="a14">
             <p:sp>
               <p:nvSpPr>
                 <p:cNvPr id="8" name="正方形/長方形 7"/>
@@ -7264,7 +7269,7 @@
               </p:txBody>
             </p:sp>
           </mc:Choice>
-          <mc:Fallback>
+          <mc:Fallback xmlns="">
             <p:sp>
               <p:nvSpPr>
                 <p:cNvPr id="8" name="正方形/長方形 7"/>
@@ -7310,8 +7315,8 @@
             </p:sp>
           </mc:Fallback>
         </mc:AlternateContent>
-        <mc:AlternateContent xmlns:mc="http://schemas.openxmlformats.org/markup-compatibility/2006">
-          <mc:Choice xmlns:a14="http://schemas.microsoft.com/office/drawing/2010/main" Requires="a14">
+        <mc:AlternateContent xmlns:mc="http://schemas.openxmlformats.org/markup-compatibility/2006" xmlns:a14="http://schemas.microsoft.com/office/drawing/2010/main">
+          <mc:Choice Requires="a14">
             <p:sp>
               <p:nvSpPr>
                 <p:cNvPr id="9" name="正方形/長方形 8"/>
@@ -7588,7 +7593,7 @@
               </p:txBody>
             </p:sp>
           </mc:Choice>
-          <mc:Fallback>
+          <mc:Fallback xmlns="">
             <p:sp>
               <p:nvSpPr>
                 <p:cNvPr id="9" name="正方形/長方形 8"/>
@@ -7632,8 +7637,8 @@
             </p:sp>
           </mc:Fallback>
         </mc:AlternateContent>
-        <mc:AlternateContent xmlns:mc="http://schemas.openxmlformats.org/markup-compatibility/2006">
-          <mc:Choice xmlns:a14="http://schemas.microsoft.com/office/drawing/2010/main" Requires="a14">
+        <mc:AlternateContent xmlns:mc="http://schemas.openxmlformats.org/markup-compatibility/2006" xmlns:a14="http://schemas.microsoft.com/office/drawing/2010/main">
+          <mc:Choice Requires="a14">
             <p:sp>
               <p:nvSpPr>
                 <p:cNvPr id="11" name="正方形/長方形 10"/>
@@ -7877,7 +7882,7 @@
               </p:txBody>
             </p:sp>
           </mc:Choice>
-          <mc:Fallback>
+          <mc:Fallback xmlns="">
             <p:sp>
               <p:nvSpPr>
                 <p:cNvPr id="11" name="正方形/長方形 10"/>
@@ -8155,8 +8160,8 @@
           </p:txBody>
         </p:sp>
       </p:grpSp>
-      <mc:AlternateContent xmlns:mc="http://schemas.openxmlformats.org/markup-compatibility/2006">
-        <mc:Choice xmlns:a14="http://schemas.microsoft.com/office/drawing/2010/main" Requires="a14">
+      <mc:AlternateContent xmlns:mc="http://schemas.openxmlformats.org/markup-compatibility/2006" xmlns:a14="http://schemas.microsoft.com/office/drawing/2010/main">
+        <mc:Choice Requires="a14">
           <p:sp>
             <p:nvSpPr>
               <p:cNvPr id="34" name="正方形/長方形 33"/>
@@ -8178,6 +8183,7 @@
               </a:bodyPr>
               <a:lstStyle/>
               <a:p>
+                <a:pPr/>
                 <a14:m>
                   <m:oMathPara xmlns:m="http://schemas.openxmlformats.org/officeDocument/2006/math">
                     <m:oMathParaPr>
@@ -8248,7 +8254,7 @@
             </p:txBody>
           </p:sp>
         </mc:Choice>
-        <mc:Fallback>
+        <mc:Fallback xmlns="">
           <p:sp>
             <p:nvSpPr>
               <p:cNvPr id="34" name="正方形/長方形 33"/>
@@ -8287,8 +8293,8 @@
           </p:sp>
         </mc:Fallback>
       </mc:AlternateContent>
-      <mc:AlternateContent xmlns:mc="http://schemas.openxmlformats.org/markup-compatibility/2006">
-        <mc:Choice xmlns:a14="http://schemas.microsoft.com/office/drawing/2010/main" Requires="a14">
+      <mc:AlternateContent xmlns:mc="http://schemas.openxmlformats.org/markup-compatibility/2006" xmlns:a14="http://schemas.microsoft.com/office/drawing/2010/main">
+        <mc:Choice Requires="a14">
           <p:sp>
             <p:nvSpPr>
               <p:cNvPr id="35" name="正方形/長方形 34"/>
@@ -8310,6 +8316,7 @@
               </a:bodyPr>
               <a:lstStyle/>
               <a:p>
+                <a:pPr/>
                 <a14:m>
                   <m:oMathPara xmlns:m="http://schemas.openxmlformats.org/officeDocument/2006/math">
                     <m:oMathParaPr>
@@ -8361,7 +8368,7 @@
             </p:txBody>
           </p:sp>
         </mc:Choice>
-        <mc:Fallback>
+        <mc:Fallback xmlns="">
           <p:sp>
             <p:nvSpPr>
               <p:cNvPr id="35" name="正方形/長方形 34"/>
@@ -8583,8 +8590,8 @@
           </a:p>
         </p:txBody>
       </p:sp>
-      <mc:AlternateContent xmlns:mc="http://schemas.openxmlformats.org/markup-compatibility/2006">
-        <mc:Choice xmlns:a14="http://schemas.microsoft.com/office/drawing/2010/main" Requires="a14">
+      <mc:AlternateContent xmlns:mc="http://schemas.openxmlformats.org/markup-compatibility/2006" xmlns:a14="http://schemas.microsoft.com/office/drawing/2010/main">
+        <mc:Choice Requires="a14">
           <p:sp>
             <p:nvSpPr>
               <p:cNvPr id="1024" name="テキスト ボックス 1023"/>
@@ -8607,6 +8614,7 @@
               </a:bodyPr>
               <a:lstStyle/>
               <a:p>
+                <a:pPr/>
                 <a14:m>
                   <m:oMathPara xmlns:m="http://schemas.openxmlformats.org/officeDocument/2006/math">
                     <m:oMathParaPr>
@@ -8860,21 +8868,7 @@
                                       </a:solidFill>
                                       <a:latin typeface="Cambria Math" panose="02040503050406030204" pitchFamily="18" charset="0"/>
                                     </a:rPr>
-                                    <m:t>arg</m:t>
-                                  </m:r>
-                                  <m:r>
-                                    <m:rPr>
-                                      <m:sty m:val="p"/>
-                                    </m:rPr>
-                                    <a:rPr kumimoji="1" lang="en-US" altLang="ja-JP" sz="2000" b="0" i="0" smtClean="0">
-                                      <a:solidFill>
-                                        <a:schemeClr val="accent1">
-                                          <a:lumMod val="75000"/>
-                                        </a:schemeClr>
-                                      </a:solidFill>
-                                      <a:latin typeface="Cambria Math" panose="02040503050406030204" pitchFamily="18" charset="0"/>
-                                    </a:rPr>
-                                    <m:t>m</m:t>
+                                    <m:t>argm</m:t>
                                   </m:r>
                                   <m:r>
                                     <a:rPr kumimoji="1" lang="en-US" altLang="ja-JP" sz="2000" b="0" i="1" smtClean="0">
@@ -9044,7 +9038,7 @@
             </p:txBody>
           </p:sp>
         </mc:Choice>
-        <mc:Fallback>
+        <mc:Fallback xmlns="">
           <p:sp>
             <p:nvSpPr>
               <p:cNvPr id="1024" name="テキスト ボックス 1023"/>
@@ -9083,8 +9077,8 @@
           </p:sp>
         </mc:Fallback>
       </mc:AlternateContent>
-      <mc:AlternateContent xmlns:mc="http://schemas.openxmlformats.org/markup-compatibility/2006">
-        <mc:Choice xmlns:a14="http://schemas.microsoft.com/office/drawing/2010/main" Requires="a14">
+      <mc:AlternateContent xmlns:mc="http://schemas.openxmlformats.org/markup-compatibility/2006" xmlns:a14="http://schemas.microsoft.com/office/drawing/2010/main">
+        <mc:Choice Requires="a14">
           <p:sp>
             <p:nvSpPr>
               <p:cNvPr id="175" name="テキスト ボックス 174"/>
@@ -9107,6 +9101,7 @@
               </a:bodyPr>
               <a:lstStyle/>
               <a:p>
+                <a:pPr/>
                 <a14:m>
                   <m:oMathPara xmlns:m="http://schemas.openxmlformats.org/officeDocument/2006/math">
                     <m:oMathParaPr>
@@ -9271,16 +9266,7 @@
                                     <a:rPr kumimoji="1" lang="en-US" altLang="ja-JP" sz="1600" b="0" i="0" smtClean="0">
                                       <a:latin typeface="Cambria Math" panose="02040503050406030204" pitchFamily="18" charset="0"/>
                                     </a:rPr>
-                                    <m:t>arg</m:t>
-                                  </m:r>
-                                  <m:r>
-                                    <m:rPr>
-                                      <m:sty m:val="p"/>
-                                    </m:rPr>
-                                    <a:rPr kumimoji="1" lang="en-US" altLang="ja-JP" sz="1600" b="0" i="0" smtClean="0">
-                                      <a:latin typeface="Cambria Math" panose="02040503050406030204" pitchFamily="18" charset="0"/>
-                                    </a:rPr>
-                                    <m:t>m</m:t>
+                                    <m:t>argm</m:t>
                                   </m:r>
                                   <m:r>
                                     <a:rPr kumimoji="1" lang="en-US" altLang="ja-JP" sz="1600" b="0" i="1" smtClean="0">
@@ -9390,7 +9376,7 @@
             </p:txBody>
           </p:sp>
         </mc:Choice>
-        <mc:Fallback>
+        <mc:Fallback xmlns="">
           <p:sp>
             <p:nvSpPr>
               <p:cNvPr id="175" name="テキスト ボックス 174"/>
@@ -9429,8 +9415,8 @@
           </p:sp>
         </mc:Fallback>
       </mc:AlternateContent>
-      <mc:AlternateContent xmlns:mc="http://schemas.openxmlformats.org/markup-compatibility/2006">
-        <mc:Choice xmlns:a14="http://schemas.microsoft.com/office/drawing/2010/main" Requires="a14">
+      <mc:AlternateContent xmlns:mc="http://schemas.openxmlformats.org/markup-compatibility/2006" xmlns:a14="http://schemas.microsoft.com/office/drawing/2010/main">
+        <mc:Choice Requires="a14">
           <p:sp>
             <p:nvSpPr>
               <p:cNvPr id="1025" name="テキスト ボックス 1024"/>
@@ -9453,6 +9439,7 @@
               </a:bodyPr>
               <a:lstStyle/>
               <a:p>
+                <a:pPr/>
                 <a14:m>
                   <m:oMathPara xmlns:m="http://schemas.openxmlformats.org/officeDocument/2006/math">
                     <m:oMathParaPr>
@@ -9587,7 +9574,7 @@
                               <a:latin typeface="Cambria Math" panose="02040503050406030204" pitchFamily="18" charset="0"/>
                               <a:ea typeface="Cambria Math" panose="02040503050406030204" pitchFamily="18" charset="0"/>
                             </a:rPr>
-                            <m:t>∇</m:t>
+                            <m:t>𝛻</m:t>
                           </m:r>
                         </m:e>
                         <m:sub>
@@ -9698,7 +9685,7 @@
             </p:txBody>
           </p:sp>
         </mc:Choice>
-        <mc:Fallback>
+        <mc:Fallback xmlns="">
           <p:sp>
             <p:nvSpPr>
               <p:cNvPr id="1025" name="テキスト ボックス 1024"/>
@@ -9737,8 +9724,8 @@
           </p:sp>
         </mc:Fallback>
       </mc:AlternateContent>
-      <mc:AlternateContent xmlns:mc="http://schemas.openxmlformats.org/markup-compatibility/2006">
-        <mc:Choice xmlns:a14="http://schemas.microsoft.com/office/drawing/2010/main" Requires="a14">
+      <mc:AlternateContent xmlns:mc="http://schemas.openxmlformats.org/markup-compatibility/2006" xmlns:a14="http://schemas.microsoft.com/office/drawing/2010/main">
+        <mc:Choice Requires="a14">
           <p:sp>
             <p:nvSpPr>
               <p:cNvPr id="177" name="テキスト ボックス 176"/>
@@ -9761,6 +9748,7 @@
               </a:bodyPr>
               <a:lstStyle/>
               <a:p>
+                <a:pPr/>
                 <a14:m>
                   <m:oMathPara xmlns:m="http://schemas.openxmlformats.org/officeDocument/2006/math">
                     <m:oMathParaPr>
@@ -9908,7 +9896,7 @@
                               <a:latin typeface="Cambria Math" panose="02040503050406030204" pitchFamily="18" charset="0"/>
                               <a:ea typeface="Cambria Math" panose="02040503050406030204" pitchFamily="18" charset="0"/>
                             </a:rPr>
-                            <m:t>∇</m:t>
+                            <m:t>𝛻</m:t>
                           </m:r>
                         </m:e>
                         <m:sub>
@@ -10036,7 +10024,7 @@
             </p:txBody>
           </p:sp>
         </mc:Choice>
-        <mc:Fallback>
+        <mc:Fallback xmlns="">
           <p:sp>
             <p:nvSpPr>
               <p:cNvPr id="177" name="テキスト ボックス 176"/>
@@ -10075,8 +10063,8 @@
           </p:sp>
         </mc:Fallback>
       </mc:AlternateContent>
-      <mc:AlternateContent xmlns:mc="http://schemas.openxmlformats.org/markup-compatibility/2006">
-        <mc:Choice xmlns:a14="http://schemas.microsoft.com/office/drawing/2010/main" Requires="a14">
+      <mc:AlternateContent xmlns:mc="http://schemas.openxmlformats.org/markup-compatibility/2006" xmlns:a14="http://schemas.microsoft.com/office/drawing/2010/main">
+        <mc:Choice Requires="a14">
           <p:sp>
             <p:nvSpPr>
               <p:cNvPr id="178" name="テキスト ボックス 177"/>
@@ -10099,6 +10087,7 @@
               </a:bodyPr>
               <a:lstStyle/>
               <a:p>
+                <a:pPr/>
                 <a14:m>
                   <m:oMathPara xmlns:m="http://schemas.openxmlformats.org/officeDocument/2006/math">
                     <m:oMathParaPr>
@@ -10468,7 +10457,7 @@
             </p:txBody>
           </p:sp>
         </mc:Choice>
-        <mc:Fallback>
+        <mc:Fallback xmlns="">
           <p:sp>
             <p:nvSpPr>
               <p:cNvPr id="178" name="テキスト ボックス 177"/>
@@ -10507,8 +10496,8 @@
           </p:sp>
         </mc:Fallback>
       </mc:AlternateContent>
-      <mc:AlternateContent xmlns:mc="http://schemas.openxmlformats.org/markup-compatibility/2006">
-        <mc:Choice xmlns:a14="http://schemas.microsoft.com/office/drawing/2010/main" Requires="a14">
+      <mc:AlternateContent xmlns:mc="http://schemas.openxmlformats.org/markup-compatibility/2006" xmlns:a14="http://schemas.microsoft.com/office/drawing/2010/main">
+        <mc:Choice Requires="a14">
           <p:sp>
             <p:nvSpPr>
               <p:cNvPr id="179" name="テキスト ボックス 178"/>
@@ -10672,7 +10661,7 @@
                                   <a:latin typeface="Cambria Math" panose="02040503050406030204" pitchFamily="18" charset="0"/>
                                   <a:ea typeface="Cambria Math" panose="02040503050406030204" pitchFamily="18" charset="0"/>
                                 </a:rPr>
-                                <m:t>∇</m:t>
+                                <m:t>𝛻</m:t>
                               </m:r>
                             </m:e>
                             <m:sub>
@@ -10884,7 +10873,7 @@
                               <a:latin typeface="Cambria Math" panose="02040503050406030204" pitchFamily="18" charset="0"/>
                               <a:ea typeface="Cambria Math" panose="02040503050406030204" pitchFamily="18" charset="0"/>
                             </a:rPr>
-                            <m:t>∇</m:t>
+                            <m:t>𝛻</m:t>
                           </m:r>
                         </m:e>
                         <m:sub>
@@ -11051,7 +11040,7 @@
             </p:txBody>
           </p:sp>
         </mc:Choice>
-        <mc:Fallback>
+        <mc:Fallback xmlns="">
           <p:sp>
             <p:nvSpPr>
               <p:cNvPr id="179" name="テキスト ボックス 178"/>
@@ -11090,8 +11079,8 @@
           </p:sp>
         </mc:Fallback>
       </mc:AlternateContent>
-      <mc:AlternateContent xmlns:mc="http://schemas.openxmlformats.org/markup-compatibility/2006">
-        <mc:Choice xmlns:a14="http://schemas.microsoft.com/office/drawing/2010/main" Requires="a14">
+      <mc:AlternateContent xmlns:mc="http://schemas.openxmlformats.org/markup-compatibility/2006" xmlns:a14="http://schemas.microsoft.com/office/drawing/2010/main">
+        <mc:Choice Requires="a14">
           <p:sp>
             <p:nvSpPr>
               <p:cNvPr id="180" name="テキスト ボックス 179"/>
@@ -11114,6 +11103,7 @@
               </a:bodyPr>
               <a:lstStyle/>
               <a:p>
+                <a:pPr/>
                 <a14:m>
                   <m:oMathPara xmlns:m="http://schemas.openxmlformats.org/officeDocument/2006/math">
                     <m:oMathParaPr>
@@ -11289,7 +11279,7 @@
             </p:txBody>
           </p:sp>
         </mc:Choice>
-        <mc:Fallback>
+        <mc:Fallback xmlns="">
           <p:sp>
             <p:nvSpPr>
               <p:cNvPr id="180" name="テキスト ボックス 179"/>
@@ -12063,21 +12053,7 @@
                           <a:latin typeface="メイリオ" panose="020B0604030504040204" pitchFamily="50" charset="-128"/>
                           <a:ea typeface="メイリオ" panose="020B0604030504040204" pitchFamily="50" charset="-128"/>
                         </a:rPr>
-                        <a:t>で</a:t>
-                      </a:r>
-                      <a:r>
-                        <a:rPr kumimoji="1" lang="ja-JP" altLang="en-US" sz="1600" dirty="0" smtClean="0">
-                          <a:latin typeface="メイリオ" panose="020B0604030504040204" pitchFamily="50" charset="-128"/>
-                          <a:ea typeface="メイリオ" panose="020B0604030504040204" pitchFamily="50" charset="-128"/>
-                        </a:rPr>
-                        <a:t>正則化</a:t>
-                      </a:r>
-                      <a:r>
-                        <a:rPr kumimoji="1" lang="ja-JP" altLang="en-US" sz="1600" dirty="0" smtClean="0">
-                          <a:latin typeface="メイリオ" panose="020B0604030504040204" pitchFamily="50" charset="-128"/>
-                          <a:ea typeface="メイリオ" panose="020B0604030504040204" pitchFamily="50" charset="-128"/>
-                        </a:rPr>
-                        <a:t>された</a:t>
+                        <a:t>で正則化された</a:t>
                       </a:r>
                       <a:r>
                         <a:rPr kumimoji="1" lang="en-US" altLang="ja-JP" sz="1600" dirty="0" smtClean="0">
@@ -12124,21 +12100,7 @@
                           <a:latin typeface="メイリオ" panose="020B0604030504040204" pitchFamily="50" charset="-128"/>
                           <a:ea typeface="メイリオ" panose="020B0604030504040204" pitchFamily="50" charset="-128"/>
                         </a:rPr>
-                        <a:t>ランダムで</a:t>
-                      </a:r>
-                      <a:r>
-                        <a:rPr kumimoji="1" lang="ja-JP" altLang="en-US" sz="1600" dirty="0" smtClean="0">
-                          <a:latin typeface="メイリオ" panose="020B0604030504040204" pitchFamily="50" charset="-128"/>
-                          <a:ea typeface="メイリオ" panose="020B0604030504040204" pitchFamily="50" charset="-128"/>
-                        </a:rPr>
-                        <a:t>正則化</a:t>
-                      </a:r>
-                      <a:r>
-                        <a:rPr kumimoji="1" lang="ja-JP" altLang="en-US" sz="1600" dirty="0" smtClean="0">
-                          <a:latin typeface="メイリオ" panose="020B0604030504040204" pitchFamily="50" charset="-128"/>
-                          <a:ea typeface="メイリオ" panose="020B0604030504040204" pitchFamily="50" charset="-128"/>
-                        </a:rPr>
-                        <a:t>された</a:t>
+                        <a:t>ランダムで正則化された</a:t>
                       </a:r>
                       <a:r>
                         <a:rPr kumimoji="1" lang="en-US" altLang="ja-JP" sz="1600" dirty="0" smtClean="0">
@@ -12185,21 +12147,7 @@
                           <a:latin typeface="メイリオ" panose="020B0604030504040204" pitchFamily="50" charset="-128"/>
                           <a:ea typeface="メイリオ" panose="020B0604030504040204" pitchFamily="50" charset="-128"/>
                         </a:rPr>
-                        <a:t>多様性で</a:t>
-                      </a:r>
-                      <a:r>
-                        <a:rPr kumimoji="1" lang="ja-JP" altLang="en-US" sz="1600" dirty="0" smtClean="0">
-                          <a:latin typeface="メイリオ" panose="020B0604030504040204" pitchFamily="50" charset="-128"/>
-                          <a:ea typeface="メイリオ" panose="020B0604030504040204" pitchFamily="50" charset="-128"/>
-                        </a:rPr>
-                        <a:t>正則化</a:t>
-                      </a:r>
-                      <a:r>
-                        <a:rPr kumimoji="1" lang="ja-JP" altLang="en-US" sz="1600" dirty="0" smtClean="0">
-                          <a:latin typeface="メイリオ" panose="020B0604030504040204" pitchFamily="50" charset="-128"/>
-                          <a:ea typeface="メイリオ" panose="020B0604030504040204" pitchFamily="50" charset="-128"/>
-                        </a:rPr>
-                        <a:t>された</a:t>
+                        <a:t>多様性で正則化された</a:t>
                       </a:r>
                       <a:r>
                         <a:rPr kumimoji="1" lang="en-US" altLang="ja-JP" sz="1600" dirty="0" smtClean="0">
@@ -12313,6 +12261,39 @@
               <a:latin typeface="メイリオ" panose="020B0604030504040204" pitchFamily="50" charset="-128"/>
               <a:ea typeface="メイリオ" panose="020B0604030504040204" pitchFamily="50" charset="-128"/>
             </a:endParaRPr>
+          </a:p>
+        </p:txBody>
+      </p:sp>
+      <p:sp>
+        <p:nvSpPr>
+          <p:cNvPr id="4" name="正方形/長方形 3"/>
+          <p:cNvSpPr/>
+          <p:nvPr/>
+        </p:nvSpPr>
+        <p:spPr>
+          <a:xfrm>
+            <a:off x="-1" y="6604084"/>
+            <a:ext cx="7945821" cy="253916"/>
+          </a:xfrm>
+          <a:prstGeom prst="rect">
+            <a:avLst/>
+          </a:prstGeom>
+        </p:spPr>
+        <p:txBody>
+          <a:bodyPr wrap="square">
+            <a:spAutoFit/>
+          </a:bodyPr>
+          <a:lstStyle/>
+          <a:p>
+            <a:r>
+              <a:rPr lang="en-US" altLang="ja-JP" sz="1050" dirty="0" smtClean="0"/>
+              <a:t>SS+FNN: https</a:t>
+            </a:r>
+            <a:r>
+              <a:rPr lang="en-US" altLang="ja-JP" sz="1050" dirty="0"/>
+              <a:t>://pdfs.semanticscholar.org/afdb/6b7a083e3b7304c354925a3f3528716cb44e.pdf</a:t>
+            </a:r>
+            <a:endParaRPr lang="ja-JP" altLang="en-US" sz="1050" dirty="0"/>
           </a:p>
         </p:txBody>
       </p:sp>
@@ -13346,21 +13327,7 @@
                           <a:latin typeface="メイリオ" panose="020B0604030504040204" pitchFamily="50" charset="-128"/>
                           <a:ea typeface="メイリオ" panose="020B0604030504040204" pitchFamily="50" charset="-128"/>
                         </a:rPr>
-                        <a:t>ランダムで</a:t>
-                      </a:r>
-                      <a:r>
-                        <a:rPr kumimoji="1" lang="ja-JP" altLang="en-US" sz="1600" dirty="0" smtClean="0">
-                          <a:latin typeface="メイリオ" panose="020B0604030504040204" pitchFamily="50" charset="-128"/>
-                          <a:ea typeface="メイリオ" panose="020B0604030504040204" pitchFamily="50" charset="-128"/>
-                        </a:rPr>
-                        <a:t>正則化</a:t>
-                      </a:r>
-                      <a:r>
-                        <a:rPr kumimoji="1" lang="ja-JP" altLang="en-US" sz="1600" dirty="0" smtClean="0">
-                          <a:latin typeface="メイリオ" panose="020B0604030504040204" pitchFamily="50" charset="-128"/>
-                          <a:ea typeface="メイリオ" panose="020B0604030504040204" pitchFamily="50" charset="-128"/>
-                        </a:rPr>
-                        <a:t>された</a:t>
+                        <a:t>ランダムで正則化された</a:t>
                       </a:r>
                       <a:r>
                         <a:rPr kumimoji="1" lang="en-US" altLang="ja-JP" sz="1600" dirty="0" smtClean="0">
@@ -13407,21 +13374,7 @@
                           <a:latin typeface="メイリオ" panose="020B0604030504040204" pitchFamily="50" charset="-128"/>
                           <a:ea typeface="メイリオ" panose="020B0604030504040204" pitchFamily="50" charset="-128"/>
                         </a:rPr>
-                        <a:t>多様性で</a:t>
-                      </a:r>
-                      <a:r>
-                        <a:rPr kumimoji="1" lang="ja-JP" altLang="en-US" sz="1600" dirty="0" smtClean="0">
-                          <a:latin typeface="メイリオ" panose="020B0604030504040204" pitchFamily="50" charset="-128"/>
-                          <a:ea typeface="メイリオ" panose="020B0604030504040204" pitchFamily="50" charset="-128"/>
-                        </a:rPr>
-                        <a:t>正則化</a:t>
-                      </a:r>
-                      <a:r>
-                        <a:rPr kumimoji="1" lang="ja-JP" altLang="en-US" sz="1600" dirty="0" smtClean="0">
-                          <a:latin typeface="メイリオ" panose="020B0604030504040204" pitchFamily="50" charset="-128"/>
-                          <a:ea typeface="メイリオ" panose="020B0604030504040204" pitchFamily="50" charset="-128"/>
-                        </a:rPr>
-                        <a:t>された</a:t>
+                        <a:t>多様性で正則化された</a:t>
                       </a:r>
                       <a:r>
                         <a:rPr kumimoji="1" lang="en-US" altLang="ja-JP" sz="1600" dirty="0" smtClean="0">
